--- a/oandaでFXタスク.pptx
+++ b/oandaでFXタスク.pptx
@@ -253,7 +253,7 @@
           <a:p>
             <a:fld id="{12A6771C-D3CB-4A24-8371-E2332706DDB4}" type="datetimeFigureOut">
               <a:rPr kumimoji="1" lang="ja-JP" altLang="en-US" smtClean="0"/>
-              <a:t>2021/8/14</a:t>
+              <a:t>2021/8/29</a:t>
             </a:fld>
             <a:endParaRPr kumimoji="1" lang="ja-JP" altLang="en-US"/>
           </a:p>
@@ -455,7 +455,7 @@
           <a:p>
             <a:fld id="{12A6771C-D3CB-4A24-8371-E2332706DDB4}" type="datetimeFigureOut">
               <a:rPr kumimoji="1" lang="ja-JP" altLang="en-US" smtClean="0"/>
-              <a:t>2021/8/14</a:t>
+              <a:t>2021/8/29</a:t>
             </a:fld>
             <a:endParaRPr kumimoji="1" lang="ja-JP" altLang="en-US"/>
           </a:p>
@@ -667,7 +667,7 @@
           <a:p>
             <a:fld id="{12A6771C-D3CB-4A24-8371-E2332706DDB4}" type="datetimeFigureOut">
               <a:rPr kumimoji="1" lang="ja-JP" altLang="en-US" smtClean="0"/>
-              <a:t>2021/8/14</a:t>
+              <a:t>2021/8/29</a:t>
             </a:fld>
             <a:endParaRPr kumimoji="1" lang="ja-JP" altLang="en-US"/>
           </a:p>
@@ -869,7 +869,7 @@
           <a:p>
             <a:fld id="{12A6771C-D3CB-4A24-8371-E2332706DDB4}" type="datetimeFigureOut">
               <a:rPr kumimoji="1" lang="ja-JP" altLang="en-US" smtClean="0"/>
-              <a:t>2021/8/14</a:t>
+              <a:t>2021/8/29</a:t>
             </a:fld>
             <a:endParaRPr kumimoji="1" lang="ja-JP" altLang="en-US"/>
           </a:p>
@@ -1115,7 +1115,7 @@
           <a:p>
             <a:fld id="{12A6771C-D3CB-4A24-8371-E2332706DDB4}" type="datetimeFigureOut">
               <a:rPr kumimoji="1" lang="ja-JP" altLang="en-US" smtClean="0"/>
-              <a:t>2021/8/14</a:t>
+              <a:t>2021/8/29</a:t>
             </a:fld>
             <a:endParaRPr kumimoji="1" lang="ja-JP" altLang="en-US"/>
           </a:p>
@@ -1411,7 +1411,7 @@
           <a:p>
             <a:fld id="{12A6771C-D3CB-4A24-8371-E2332706DDB4}" type="datetimeFigureOut">
               <a:rPr kumimoji="1" lang="ja-JP" altLang="en-US" smtClean="0"/>
-              <a:t>2021/8/14</a:t>
+              <a:t>2021/8/29</a:t>
             </a:fld>
             <a:endParaRPr kumimoji="1" lang="ja-JP" altLang="en-US"/>
           </a:p>
@@ -1842,7 +1842,7 @@
           <a:p>
             <a:fld id="{12A6771C-D3CB-4A24-8371-E2332706DDB4}" type="datetimeFigureOut">
               <a:rPr kumimoji="1" lang="ja-JP" altLang="en-US" smtClean="0"/>
-              <a:t>2021/8/14</a:t>
+              <a:t>2021/8/29</a:t>
             </a:fld>
             <a:endParaRPr kumimoji="1" lang="ja-JP" altLang="en-US"/>
           </a:p>
@@ -1960,7 +1960,7 @@
           <a:p>
             <a:fld id="{12A6771C-D3CB-4A24-8371-E2332706DDB4}" type="datetimeFigureOut">
               <a:rPr kumimoji="1" lang="ja-JP" altLang="en-US" smtClean="0"/>
-              <a:t>2021/8/14</a:t>
+              <a:t>2021/8/29</a:t>
             </a:fld>
             <a:endParaRPr kumimoji="1" lang="ja-JP" altLang="en-US"/>
           </a:p>
@@ -2055,7 +2055,7 @@
           <a:p>
             <a:fld id="{12A6771C-D3CB-4A24-8371-E2332706DDB4}" type="datetimeFigureOut">
               <a:rPr kumimoji="1" lang="ja-JP" altLang="en-US" smtClean="0"/>
-              <a:t>2021/8/14</a:t>
+              <a:t>2021/8/29</a:t>
             </a:fld>
             <a:endParaRPr kumimoji="1" lang="ja-JP" altLang="en-US"/>
           </a:p>
@@ -2364,7 +2364,7 @@
           <a:p>
             <a:fld id="{12A6771C-D3CB-4A24-8371-E2332706DDB4}" type="datetimeFigureOut">
               <a:rPr kumimoji="1" lang="ja-JP" altLang="en-US" smtClean="0"/>
-              <a:t>2021/8/14</a:t>
+              <a:t>2021/8/29</a:t>
             </a:fld>
             <a:endParaRPr kumimoji="1" lang="ja-JP" altLang="en-US"/>
           </a:p>
@@ -2617,7 +2617,7 @@
           <a:p>
             <a:fld id="{12A6771C-D3CB-4A24-8371-E2332706DDB4}" type="datetimeFigureOut">
               <a:rPr kumimoji="1" lang="ja-JP" altLang="en-US" smtClean="0"/>
-              <a:t>2021/8/14</a:t>
+              <a:t>2021/8/29</a:t>
             </a:fld>
             <a:endParaRPr kumimoji="1" lang="ja-JP" altLang="en-US"/>
           </a:p>
@@ -2862,7 +2862,7 @@
           <a:p>
             <a:fld id="{12A6771C-D3CB-4A24-8371-E2332706DDB4}" type="datetimeFigureOut">
               <a:rPr kumimoji="1" lang="ja-JP" altLang="en-US" smtClean="0"/>
-              <a:t>2021/8/14</a:t>
+              <a:t>2021/8/29</a:t>
             </a:fld>
             <a:endParaRPr kumimoji="1" lang="ja-JP" altLang="en-US"/>
           </a:p>
@@ -5483,11 +5483,7 @@
           <a:p>
             <a:r>
               <a:rPr kumimoji="1" lang="ja-JP" altLang="en-US" dirty="0" smtClean="0"/>
-              <a:t>モデルを保存、</a:t>
-            </a:r>
-            <a:r>
-              <a:rPr kumimoji="1" lang="ja-JP" altLang="en-US" dirty="0" smtClean="0"/>
-              <a:t>読み込み</a:t>
+              <a:t>モデルを保存、読み込み</a:t>
             </a:r>
             <a:endParaRPr kumimoji="1" lang="en-US" altLang="ja-JP" dirty="0" smtClean="0"/>
           </a:p>
@@ -5540,10 +5536,58 @@
               <a:t>anaconda</a:t>
             </a:r>
             <a:r>
-              <a:rPr kumimoji="0" lang="ja-JP" altLang="en-US" sz="2000" smtClean="0">
+              <a:rPr kumimoji="0" lang="ja-JP" altLang="en-US" sz="2000" dirty="0" smtClean="0">
                 <a:latin typeface="+mj-ea"/>
               </a:rPr>
-              <a:t>を再インストールしてみる</a:t>
+              <a:t>を再インストールして</a:t>
+            </a:r>
+            <a:r>
+              <a:rPr kumimoji="0" lang="ja-JP" altLang="en-US" sz="2000" dirty="0" smtClean="0">
+                <a:latin typeface="+mj-ea"/>
+              </a:rPr>
+              <a:t>みる</a:t>
+            </a:r>
+            <a:endParaRPr kumimoji="0" lang="en-US" altLang="ja-JP" sz="2000" dirty="0" smtClean="0">
+              <a:latin typeface="+mj-ea"/>
+            </a:endParaRPr>
+          </a:p>
+          <a:p>
+            <a:pPr lvl="1"/>
+            <a:r>
+              <a:rPr lang="en-US" altLang="ja-JP" dirty="0">
+                <a:hlinkClick r:id="rId2"/>
+              </a:rPr>
+              <a:t>Windows </a:t>
+            </a:r>
+            <a:r>
+              <a:rPr lang="ja-JP" altLang="en-US" dirty="0">
+                <a:hlinkClick r:id="rId2"/>
+              </a:rPr>
+              <a:t>でディープラーニング環境を整える </a:t>
+            </a:r>
+            <a:r>
+              <a:rPr lang="en-US" altLang="ja-JP" dirty="0">
+                <a:hlinkClick r:id="rId2"/>
+              </a:rPr>
+              <a:t>(kkaneko.jp</a:t>
+            </a:r>
+            <a:r>
+              <a:rPr lang="en-US" altLang="ja-JP" dirty="0" smtClean="0">
+                <a:hlinkClick r:id="rId2"/>
+              </a:rPr>
+              <a:t>)</a:t>
+            </a:r>
+            <a:r>
+              <a:rPr lang="ja-JP" altLang="en-US" dirty="0" smtClean="0"/>
+              <a:t>で</a:t>
+            </a:r>
+            <a:r>
+              <a:rPr lang="en-US" altLang="ja-JP" dirty="0" smtClean="0"/>
+              <a:t>python</a:t>
+            </a:r>
+            <a:r>
+              <a:rPr lang="ja-JP" altLang="en-US" dirty="0" smtClean="0"/>
+              <a:t>に変更</a:t>
             </a:r>
             <a:endParaRPr kumimoji="1" lang="ja-JP" altLang="en-US" dirty="0"/>
           </a:p>
